--- a/output/site_diagrams/track_layouts_sj.pptx
+++ b/output/site_diagrams/track_layouts_sj.pptx
@@ -1644,7 +1644,7 @@
         </p:nvSpPr>
         <p:spPr>
           <a:xfrm>
-            <a:off x="381300" y="685800"/>
+            <a:off x="381000" y="685800"/>
             <a:ext cx="6096000" cy="3429000"/>
           </a:xfrm>
           <a:custGeom>
@@ -18334,7 +18334,7 @@
         <p:spPr>
           <a:xfrm>
             <a:off x="4304250" y="4342250"/>
-            <a:ext cx="2528400" cy="831300"/>
+            <a:ext cx="3674338" cy="831300"/>
           </a:xfrm>
           <a:prstGeom prst="rect">
             <a:avLst/>
@@ -18360,14 +18360,14 @@
               <a:buNone/>
             </a:pPr>
             <a:r>
-              <a:rPr lang="en">
+              <a:rPr lang="en" dirty="0">
                 <a:solidFill>
                   <a:schemeClr val="dk2"/>
                 </a:solidFill>
               </a:rPr>
               <a:t>Distance from Disturbance</a:t>
             </a:r>
-            <a:endParaRPr>
+            <a:endParaRPr dirty="0">
               <a:solidFill>
                 <a:schemeClr val="dk2"/>
               </a:solidFill>
@@ -18384,14 +18384,14 @@
               <a:buNone/>
             </a:pPr>
             <a:r>
-              <a:rPr lang="en">
+              <a:rPr lang="en" dirty="0">
                 <a:solidFill>
                   <a:schemeClr val="dk2"/>
                 </a:solidFill>
               </a:rPr>
               <a:t>H,E,I: 20ft 		B,F, J: 20ft </a:t>
             </a:r>
-            <a:endParaRPr>
+            <a:endParaRPr dirty="0">
               <a:solidFill>
                 <a:schemeClr val="dk2"/>
               </a:solidFill>
@@ -18408,14 +18408,14 @@
               <a:buNone/>
             </a:pPr>
             <a:r>
-              <a:rPr lang="en">
+              <a:rPr lang="en" dirty="0">
                 <a:solidFill>
                   <a:schemeClr val="dk2"/>
                 </a:solidFill>
               </a:rPr>
               <a:t>C,G,K: 35ft 	D,A,L: 50ft</a:t>
             </a:r>
-            <a:endParaRPr>
+            <a:endParaRPr dirty="0">
               <a:solidFill>
                 <a:schemeClr val="dk2"/>
               </a:solidFill>

--- a/output/site_diagrams/track_layouts_sj.pptx
+++ b/output/site_diagrams/track_layouts_sj.pptx
@@ -1540,7 +1540,7 @@
         </p:nvSpPr>
         <p:spPr>
           <a:xfrm>
-            <a:off x="381300" y="685800"/>
+            <a:off x="381000" y="685800"/>
             <a:ext cx="6096000" cy="3429000"/>
           </a:xfrm>
           <a:custGeom>
@@ -16389,10 +16389,10 @@
               <a:buNone/>
             </a:pPr>
             <a:r>
-              <a:rPr lang="en"/>
-              <a:t>H</a:t>
-            </a:r>
-            <a:endParaRPr/>
+              <a:rPr lang="en" dirty="0"/>
+              <a:t>D</a:t>
+            </a:r>
+            <a:endParaRPr dirty="0"/>
           </a:p>
         </p:txBody>
       </p:sp>
@@ -16489,10 +16489,10 @@
               <a:buNone/>
             </a:pPr>
             <a:r>
-              <a:rPr lang="en"/>
-              <a:t>D</a:t>
-            </a:r>
-            <a:endParaRPr/>
+              <a:rPr lang="en" dirty="0"/>
+              <a:t>H</a:t>
+            </a:r>
+            <a:endParaRPr dirty="0"/>
           </a:p>
         </p:txBody>
       </p:sp>
@@ -16531,14 +16531,14 @@
               <a:buNone/>
             </a:pPr>
             <a:r>
-              <a:rPr lang="en" sz="1800">
+              <a:rPr lang="en" sz="1800" dirty="0">
                 <a:solidFill>
                   <a:schemeClr val="dk2"/>
                 </a:solidFill>
               </a:rPr>
               <a:t>50</a:t>
             </a:r>
-            <a:endParaRPr sz="1800">
+            <a:endParaRPr sz="1800" dirty="0">
               <a:solidFill>
                 <a:schemeClr val="dk2"/>
               </a:solidFill>
@@ -22526,10 +22526,10 @@
               <a:buNone/>
             </a:pPr>
             <a:r>
-              <a:rPr lang="en"/>
+              <a:rPr lang="en" dirty="0"/>
               <a:t>I</a:t>
             </a:r>
-            <a:endParaRPr/>
+            <a:endParaRPr dirty="0"/>
           </a:p>
         </p:txBody>
       </p:sp>
